--- a/lessons/class4/tidy sentiment.pptx
+++ b/lessons/class4/tidy sentiment.pptx
@@ -228,7 +228,7 @@
           <a:p>
             <a:fld id="{B0C0A60C-850A-4EA4-9C14-A8FE98B94505}" type="datetimeFigureOut">
               <a:rPr lang="en-US" smtClean="0"/>
-              <a:t>2/24/21</a:t>
+              <a:t>3/1/21</a:t>
             </a:fld>
             <a:endParaRPr lang="en-US"/>
           </a:p>
@@ -711,7 +711,7 @@
           <a:p>
             <a:fld id="{5738B90E-0779-4C36-915C-6F05FCD89456}" type="datetime1">
               <a:rPr lang="en-US" smtClean="0"/>
-              <a:t>2/24/21</a:t>
+              <a:t>3/1/21</a:t>
             </a:fld>
             <a:endParaRPr lang="en-US"/>
           </a:p>
@@ -908,7 +908,7 @@
           <a:p>
             <a:fld id="{7B9EA29D-D431-42FE-B7B6-AAE4454C77D3}" type="datetime1">
               <a:rPr lang="en-US" smtClean="0"/>
-              <a:t>2/24/21</a:t>
+              <a:t>3/1/21</a:t>
             </a:fld>
             <a:endParaRPr lang="en-US"/>
           </a:p>
@@ -1263,7 +1263,7 @@
           <a:p>
             <a:fld id="{690D8A1E-EA8F-46C1-B891-AE0C00D9C314}" type="datetime1">
               <a:rPr lang="en-US" smtClean="0"/>
-              <a:t>2/24/21</a:t>
+              <a:t>3/1/21</a:t>
             </a:fld>
             <a:endParaRPr lang="en-US"/>
           </a:p>
@@ -1571,7 +1571,7 @@
           <a:p>
             <a:fld id="{D753EFC8-4232-4598-94F6-94C0EBAFC469}" type="datetime1">
               <a:rPr lang="en-US" smtClean="0"/>
-              <a:t>2/24/21</a:t>
+              <a:t>3/1/21</a:t>
             </a:fld>
             <a:endParaRPr lang="en-US"/>
           </a:p>
@@ -1900,7 +1900,7 @@
           <a:p>
             <a:fld id="{F3161074-1C18-4AE7-957D-F18524378C85}" type="datetime1">
               <a:rPr lang="en-US" smtClean="0"/>
-              <a:t>2/24/21</a:t>
+              <a:t>3/1/21</a:t>
             </a:fld>
             <a:endParaRPr lang="en-US"/>
           </a:p>
@@ -2153,7 +2153,7 @@
           <a:p>
             <a:fld id="{69BE256C-8D9A-4404-B47D-41A1AE514425}" type="datetime1">
               <a:rPr lang="en-US" smtClean="0"/>
-              <a:t>2/24/21</a:t>
+              <a:t>3/1/21</a:t>
             </a:fld>
             <a:endParaRPr lang="en-US"/>
           </a:p>
@@ -2601,7 +2601,7 @@
           <a:p>
             <a:fld id="{66CB2154-9035-4012-8189-BAAB61C5A5EE}" type="datetime1">
               <a:rPr lang="en-US" smtClean="0"/>
-              <a:t>2/24/21</a:t>
+              <a:t>3/1/21</a:t>
             </a:fld>
             <a:endParaRPr lang="en-US"/>
           </a:p>
@@ -2789,7 +2789,7 @@
           <a:p>
             <a:fld id="{6700A58B-DD98-43D0-B791-721480A02982}" type="datetime1">
               <a:rPr lang="en-US" smtClean="0"/>
-              <a:t>2/24/21</a:t>
+              <a:t>3/1/21</a:t>
             </a:fld>
             <a:endParaRPr lang="en-US"/>
           </a:p>
@@ -2995,7 +2995,7 @@
           <a:p>
             <a:fld id="{7DB6E382-4F61-4E24-BE1A-377EC83D0E3A}" type="datetime1">
               <a:rPr lang="en-US" smtClean="0"/>
-              <a:t>2/24/21</a:t>
+              <a:t>3/1/21</a:t>
             </a:fld>
             <a:endParaRPr lang="en-US"/>
           </a:p>
@@ -3401,7 +3401,7 @@
           <a:p>
             <a:fld id="{4142EED6-FC16-45B9-B8C4-2BC5DBA88325}" type="datetime1">
               <a:rPr lang="en-US" smtClean="0"/>
-              <a:t>2/24/21</a:t>
+              <a:t>3/1/21</a:t>
             </a:fld>
             <a:endParaRPr lang="en-US"/>
           </a:p>
@@ -3733,7 +3733,7 @@
           <a:p>
             <a:fld id="{DF59512B-4F1D-43D7-8819-2F53FEF69650}" type="datetime1">
               <a:rPr lang="en-US" smtClean="0"/>
-              <a:t>2/24/21</a:t>
+              <a:t>3/1/21</a:t>
             </a:fld>
             <a:endParaRPr lang="en-US"/>
           </a:p>
@@ -4023,7 +4023,7 @@
           <a:p>
             <a:fld id="{08437B94-E2BF-44DC-ADC5-B05FC9934E9D}" type="datetime1">
               <a:rPr lang="en-US" smtClean="0"/>
-              <a:t>2/24/21</a:t>
+              <a:t>3/1/21</a:t>
             </a:fld>
             <a:endParaRPr lang="en-US"/>
           </a:p>
@@ -4828,7 +4828,7 @@
           <a:p>
             <a:fld id="{6700A58B-DD98-43D0-B791-721480A02982}" type="datetime1">
               <a:rPr lang="en-US" smtClean="0"/>
-              <a:t>2/24/21</a:t>
+              <a:t>3/1/21</a:t>
             </a:fld>
             <a:endParaRPr lang="en-US"/>
           </a:p>
@@ -5138,7 +5138,7 @@
             <a:fld id="{6700A58B-DD98-43D0-B791-721480A02982}" type="datetime1">
               <a:rPr lang="en-US" smtClean="0"/>
               <a:pPr/>
-              <a:t>2/25/21</a:t>
+              <a:t>3/1/21</a:t>
             </a:fld>
             <a:endParaRPr lang="en-US"/>
           </a:p>
@@ -5991,7 +5991,7 @@
           <a:p>
             <a:fld id="{6700A58B-DD98-43D0-B791-721480A02982}" type="datetime1">
               <a:rPr lang="en-US" smtClean="0"/>
-              <a:t>2/25/21</a:t>
+              <a:t>3/1/21</a:t>
             </a:fld>
             <a:endParaRPr lang="en-US"/>
           </a:p>
@@ -8541,7 +8541,7 @@
           <a:p>
             <a:fld id="{6700A58B-DD98-43D0-B791-721480A02982}" type="datetime1">
               <a:rPr lang="en-US" smtClean="0"/>
-              <a:t>2/24/21</a:t>
+              <a:t>3/1/21</a:t>
             </a:fld>
             <a:endParaRPr lang="en-US"/>
           </a:p>
@@ -9852,7 +9852,7 @@
           <a:p>
             <a:fld id="{6700A58B-DD98-43D0-B791-721480A02982}" type="datetime1">
               <a:rPr lang="en-US" smtClean="0"/>
-              <a:t>2/24/21</a:t>
+              <a:t>3/1/21</a:t>
             </a:fld>
             <a:endParaRPr lang="en-US"/>
           </a:p>
@@ -9936,7 +9936,7 @@
         <p:spPr>
           <a:xfrm>
             <a:off x="5265683" y="2427890"/>
-            <a:ext cx="2876172" cy="369332"/>
+            <a:ext cx="2897012" cy="369332"/>
           </a:xfrm>
           <a:prstGeom prst="rect">
             <a:avLst/>
@@ -9955,7 +9955,7 @@
             </a:r>
             <a:r>
               <a:rPr lang="en-US" dirty="0" err="1"/>
-              <a:t>F_sentimentAnalysis.R</a:t>
+              <a:t>G_sentimentAnalysis.R</a:t>
             </a:r>
             <a:endParaRPr lang="en-US" dirty="0"/>
           </a:p>
@@ -10133,7 +10133,7 @@
           <a:p>
             <a:fld id="{6700A58B-DD98-43D0-B791-721480A02982}" type="datetime1">
               <a:rPr lang="en-US" smtClean="0"/>
-              <a:t>2/24/21</a:t>
+              <a:t>3/1/21</a:t>
             </a:fld>
             <a:endParaRPr lang="en-US"/>
           </a:p>
@@ -10512,7 +10512,7 @@
           <a:p>
             <a:fld id="{D753EFC8-4232-4598-94F6-94C0EBAFC469}" type="datetime1">
               <a:rPr lang="en-US" smtClean="0"/>
-              <a:t>2/24/21</a:t>
+              <a:t>3/1/21</a:t>
             </a:fld>
             <a:endParaRPr lang="en-US"/>
           </a:p>
@@ -10766,7 +10766,7 @@
           <a:p>
             <a:fld id="{D753EFC8-4232-4598-94F6-94C0EBAFC469}" type="datetime1">
               <a:rPr lang="en-US" smtClean="0"/>
-              <a:t>2/24/21</a:t>
+              <a:t>3/1/21</a:t>
             </a:fld>
             <a:endParaRPr lang="en-US"/>
           </a:p>
@@ -11095,7 +11095,7 @@
           <a:p>
             <a:fld id="{D753EFC8-4232-4598-94F6-94C0EBAFC469}" type="datetime1">
               <a:rPr lang="en-US" smtClean="0"/>
-              <a:t>2/24/21</a:t>
+              <a:t>3/1/21</a:t>
             </a:fld>
             <a:endParaRPr lang="en-US"/>
           </a:p>
@@ -11874,7 +11874,7 @@
           <a:p>
             <a:fld id="{6700A58B-DD98-43D0-B791-721480A02982}" type="datetime1">
               <a:rPr lang="en-US" smtClean="0"/>
-              <a:t>2/24/21</a:t>
+              <a:t>3/1/21</a:t>
             </a:fld>
             <a:endParaRPr lang="en-US"/>
           </a:p>
@@ -14328,7 +14328,7 @@
           <a:p>
             <a:fld id="{6700A58B-DD98-43D0-B791-721480A02982}" type="datetime1">
               <a:rPr lang="en-US" smtClean="0"/>
-              <a:t>2/24/21</a:t>
+              <a:t>3/1/21</a:t>
             </a:fld>
             <a:endParaRPr lang="en-US"/>
           </a:p>
@@ -14577,7 +14577,7 @@
           <a:p>
             <a:fld id="{6700A58B-DD98-43D0-B791-721480A02982}" type="datetime1">
               <a:rPr lang="en-US" smtClean="0"/>
-              <a:t>2/24/21</a:t>
+              <a:t>3/1/21</a:t>
             </a:fld>
             <a:endParaRPr lang="en-US"/>
           </a:p>
